--- a/fireblaze work/Project_3/PPT Format - SQL.pptx
+++ b/fireblaze work/Project_3/PPT Format - SQL.pptx
@@ -5344,17 +5344,7 @@
                 <a:latin typeface="Roboto"/>
                 <a:sym typeface="Roboto"/>
               </a:rPr>
-              <a:t>● Step </a:t>
-            </a:r>
-            <a:r>
-              <a:rPr lang="en-US" sz="1600" dirty="0">
-                <a:solidFill>
-                  <a:schemeClr val="dk1"/>
-                </a:solidFill>
-                <a:latin typeface="Roboto"/>
-                <a:sym typeface="Roboto"/>
-              </a:rPr>
-              <a:t>4</a:t>
+              <a:t>● Step 4</a:t>
             </a:r>
             <a:r>
               <a:rPr lang="en-US" sz="1600" dirty="0" smtClean="0">
@@ -5800,6 +5790,39 @@
               </a:rPr>
               <a:t>The data is nicely structured </a:t>
             </a:r>
+            <a:r>
+              <a:rPr lang="en-US" sz="1600" dirty="0" smtClean="0">
+                <a:solidFill>
+                  <a:schemeClr val="dk1"/>
+                </a:solidFill>
+                <a:latin typeface="Roboto"/>
+                <a:ea typeface="Roboto"/>
+                <a:cs typeface="Roboto"/>
+                <a:sym typeface="Roboto"/>
+              </a:rPr>
+              <a:t>, we have </a:t>
+            </a:r>
+            <a:r>
+              <a:rPr lang="en-US" sz="1600" dirty="0" err="1" smtClean="0">
+                <a:solidFill>
+                  <a:schemeClr val="dk1"/>
+                </a:solidFill>
+                <a:latin typeface="Roboto"/>
+                <a:ea typeface="Roboto"/>
+                <a:cs typeface="Roboto"/>
+                <a:sym typeface="Roboto"/>
+              </a:rPr>
+              <a:t>crea</a:t>
+            </a:r>
+            <a:endParaRPr lang="en-US" sz="1600" dirty="0" smtClean="0">
+              <a:solidFill>
+                <a:schemeClr val="dk1"/>
+              </a:solidFill>
+              <a:latin typeface="Roboto"/>
+              <a:ea typeface="Roboto"/>
+              <a:cs typeface="Roboto"/>
+              <a:sym typeface="Roboto"/>
+            </a:endParaRPr>
           </a:p>
           <a:p>
             <a:pPr marL="1066785" indent="-457200">
@@ -6112,6 +6135,18 @@
                 <a:spcPts val="2133"/>
               </a:spcAft>
             </a:pPr>
+            <a:r>
+              <a:rPr lang="en-US" sz="2667" dirty="0" smtClean="0">
+                <a:solidFill>
+                  <a:schemeClr val="dk1"/>
+                </a:solidFill>
+                <a:latin typeface="Roboto"/>
+                <a:ea typeface="Roboto"/>
+                <a:cs typeface="Roboto"/>
+                <a:sym typeface="Roboto"/>
+              </a:rPr>
+              <a:t>We can create more tables and connect them with one another as per the requirements of the bank, we can also design a web-page in order to integrate our database with it</a:t>
+            </a:r>
             <a:endParaRPr sz="2667" dirty="0">
               <a:solidFill>
                 <a:schemeClr val="dk1"/>
